--- a/자습용 매뉴얼 200512.pptx
+++ b/자습용 매뉴얼 200512.pptx
@@ -14,7 +14,9 @@
     <p:sldId id="262" r:id="rId8"/>
     <p:sldId id="263" r:id="rId9"/>
     <p:sldId id="264" r:id="rId10"/>
-    <p:sldId id="265" r:id="rId11"/>
+    <p:sldId id="267" r:id="rId11"/>
+    <p:sldId id="265" r:id="rId12"/>
+    <p:sldId id="266" r:id="rId13"/>
   </p:sldIdLst>
   <p:sldSz cx="12192000" cy="6858000"/>
   <p:notesSz cx="6858000" cy="9144000"/>
@@ -3491,6 +3493,208 @@
           <a:chExt cx="0" cy="0"/>
         </a:xfrm>
       </p:grpSpPr>
+      <p:pic>
+        <p:nvPicPr>
+          <p:cNvPr id="7" name="그림 6">
+            <a:extLst>
+              <a:ext uri="{FF2B5EF4-FFF2-40B4-BE49-F238E27FC236}">
+                <a16:creationId xmlns:a16="http://schemas.microsoft.com/office/drawing/2014/main" id="{19A32FD8-CD0C-4B40-9AC5-69D3E7DA7B47}"/>
+              </a:ext>
+            </a:extLst>
+          </p:cNvPr>
+          <p:cNvPicPr>
+            <a:picLocks noChangeAspect="1"/>
+          </p:cNvPicPr>
+          <p:nvPr/>
+        </p:nvPicPr>
+        <p:blipFill rotWithShape="1">
+          <a:blip r:embed="rId2"/>
+          <a:srcRect t="69024" r="48876" b="13511"/>
+          <a:stretch/>
+        </p:blipFill>
+        <p:spPr>
+          <a:xfrm>
+            <a:off x="0" y="3707934"/>
+            <a:ext cx="11554860" cy="2138189"/>
+          </a:xfrm>
+          <a:prstGeom prst="rect">
+            <a:avLst/>
+          </a:prstGeom>
+        </p:spPr>
+      </p:pic>
+      <p:pic>
+        <p:nvPicPr>
+          <p:cNvPr id="8" name="그림 7">
+            <a:extLst>
+              <a:ext uri="{FF2B5EF4-FFF2-40B4-BE49-F238E27FC236}">
+                <a16:creationId xmlns:a16="http://schemas.microsoft.com/office/drawing/2014/main" id="{D28B649C-E044-4CF4-910F-2261E41ABE2C}"/>
+              </a:ext>
+            </a:extLst>
+          </p:cNvPr>
+          <p:cNvPicPr>
+            <a:picLocks noChangeAspect="1"/>
+          </p:cNvPicPr>
+          <p:nvPr/>
+        </p:nvPicPr>
+        <p:blipFill rotWithShape="1">
+          <a:blip r:embed="rId2"/>
+          <a:srcRect r="48876" b="69632"/>
+          <a:stretch/>
+        </p:blipFill>
+        <p:spPr>
+          <a:xfrm>
+            <a:off x="-1" y="0"/>
+            <a:ext cx="11523940" cy="3707934"/>
+          </a:xfrm>
+          <a:prstGeom prst="rect">
+            <a:avLst/>
+          </a:prstGeom>
+        </p:spPr>
+      </p:pic>
+      <p:sp>
+        <p:nvSpPr>
+          <p:cNvPr id="10" name="TextBox 9">
+            <a:extLst>
+              <a:ext uri="{FF2B5EF4-FFF2-40B4-BE49-F238E27FC236}">
+                <a16:creationId xmlns:a16="http://schemas.microsoft.com/office/drawing/2014/main" id="{84A3177A-B153-459F-8D50-D36DEBC8CBE0}"/>
+              </a:ext>
+            </a:extLst>
+          </p:cNvPr>
+          <p:cNvSpPr txBox="1"/>
+          <p:nvPr/>
+        </p:nvSpPr>
+        <p:spPr>
+          <a:xfrm>
+            <a:off x="3926048" y="3105834"/>
+            <a:ext cx="7189365" cy="923330"/>
+          </a:xfrm>
+          <a:prstGeom prst="rect">
+            <a:avLst/>
+          </a:prstGeom>
+          <a:solidFill>
+            <a:srgbClr val="FFFF00"/>
+          </a:solidFill>
+        </p:spPr>
+        <p:txBody>
+          <a:bodyPr wrap="square" rtlCol="0">
+            <a:spAutoFit/>
+          </a:bodyPr>
+          <a:lstStyle/>
+          <a:p>
+            <a:r>
+              <a:rPr lang="en-US" altLang="ko-KR" dirty="0"/>
+              <a:t>#</a:t>
+            </a:r>
+            <a:r>
+              <a:rPr lang="ko-KR" altLang="en-US" dirty="0"/>
+              <a:t>으로 시작되는 문구들</a:t>
+            </a:r>
+            <a:r>
+              <a:rPr lang="en-US" altLang="ko-KR" dirty="0"/>
+              <a:t>(</a:t>
+            </a:r>
+            <a:r>
+              <a:rPr lang="ko-KR" altLang="en-US" dirty="0"/>
+              <a:t>주석</a:t>
+            </a:r>
+            <a:r>
+              <a:rPr lang="en-US" altLang="ko-KR" dirty="0"/>
+              <a:t>)</a:t>
+            </a:r>
+            <a:r>
+              <a:rPr lang="ko-KR" altLang="en-US" dirty="0"/>
+              <a:t>은 생략하시고</a:t>
+            </a:r>
+            <a:endParaRPr lang="en-US" altLang="ko-KR" dirty="0"/>
+          </a:p>
+          <a:p>
+            <a:r>
+              <a:rPr lang="en-US" altLang="ko-KR" dirty="0"/>
+              <a:t>If</a:t>
+            </a:r>
+            <a:r>
+              <a:rPr lang="ko-KR" altLang="en-US" dirty="0"/>
+              <a:t>문을 따라해보세요</a:t>
+            </a:r>
+            <a:r>
+              <a:rPr lang="en-US" altLang="ko-KR" dirty="0"/>
+              <a:t>.</a:t>
+            </a:r>
+          </a:p>
+          <a:p>
+            <a:r>
+              <a:rPr lang="ko-KR" altLang="en-US" dirty="0"/>
+              <a:t>저장하신 뒤 다시 </a:t>
+            </a:r>
+            <a:r>
+              <a:rPr lang="en-US" altLang="ko-KR" dirty="0"/>
+              <a:t>‘</a:t>
+            </a:r>
+            <a:r>
+              <a:rPr lang="ko-KR" altLang="en-US" dirty="0"/>
+              <a:t>터미널</a:t>
+            </a:r>
+            <a:r>
+              <a:rPr lang="en-US" altLang="ko-KR" dirty="0"/>
+              <a:t>’</a:t>
+            </a:r>
+            <a:r>
+              <a:rPr lang="ko-KR" altLang="en-US" dirty="0"/>
+              <a:t>창에 </a:t>
+            </a:r>
+            <a:r>
+              <a:rPr lang="en-US" altLang="ko-KR" dirty="0"/>
+              <a:t>python</a:t>
+            </a:r>
+            <a:r>
+              <a:rPr lang="ko-KR" altLang="en-US" dirty="0"/>
+              <a:t> </a:t>
+            </a:r>
+            <a:r>
+              <a:rPr lang="en-US" altLang="ko-KR" dirty="0"/>
+              <a:t>test.py</a:t>
+            </a:r>
+            <a:r>
+              <a:rPr lang="ko-KR" altLang="en-US" dirty="0"/>
+              <a:t> 를 입력해 보세요</a:t>
+            </a:r>
+            <a:r>
+              <a:rPr lang="en-US" altLang="ko-KR" dirty="0"/>
+              <a:t>.</a:t>
+            </a:r>
+          </a:p>
+        </p:txBody>
+      </p:sp>
+    </p:spTree>
+    <p:extLst>
+      <p:ext uri="{BB962C8B-B14F-4D97-AF65-F5344CB8AC3E}">
+        <p14:creationId xmlns:p14="http://schemas.microsoft.com/office/powerpoint/2010/main" val="1404450078"/>
+      </p:ext>
+    </p:extLst>
+  </p:cSld>
+  <p:clrMapOvr>
+    <a:masterClrMapping/>
+  </p:clrMapOvr>
+</p:sld>
+</file>
+
+<file path=ppt/slides/slide11.xml><?xml version="1.0" encoding="utf-8"?>
+<p:sld xmlns:a="http://schemas.openxmlformats.org/drawingml/2006/main" xmlns:r="http://schemas.openxmlformats.org/officeDocument/2006/relationships" xmlns:p="http://schemas.openxmlformats.org/presentationml/2006/main">
+  <p:cSld>
+    <p:spTree>
+      <p:nvGrpSpPr>
+        <p:cNvPr id="1" name=""/>
+        <p:cNvGrpSpPr/>
+        <p:nvPr/>
+      </p:nvGrpSpPr>
+      <p:grpSpPr>
+        <a:xfrm>
+          <a:off x="0" y="0"/>
+          <a:ext cx="0" cy="0"/>
+          <a:chOff x="0" y="0"/>
+          <a:chExt cx="0" cy="0"/>
+        </a:xfrm>
+      </p:grpSpPr>
       <p:sp>
         <p:nvSpPr>
           <p:cNvPr id="6" name="TextBox 5">
@@ -3531,7 +3735,7 @@
             </a:r>
             <a:r>
               <a:rPr lang="ko-KR" altLang="en-US" dirty="0"/>
-              <a:t>을 할 수 있는 내용을 알려드리지 않았습니다</a:t>
+              <a:t>을 할 수 있는 내용 일부를 알려드리지 않았습니다</a:t>
             </a:r>
             <a:r>
               <a:rPr lang="en-US" altLang="ko-KR" dirty="0"/>
@@ -3594,6 +3798,1424 @@
     <p:extLst>
       <p:ext uri="{BB962C8B-B14F-4D97-AF65-F5344CB8AC3E}">
         <p14:creationId xmlns:p14="http://schemas.microsoft.com/office/powerpoint/2010/main" val="2479436464"/>
+      </p:ext>
+    </p:extLst>
+  </p:cSld>
+  <p:clrMapOvr>
+    <a:masterClrMapping/>
+  </p:clrMapOvr>
+</p:sld>
+</file>
+
+<file path=ppt/slides/slide12.xml><?xml version="1.0" encoding="utf-8"?>
+<p:sld xmlns:a="http://schemas.openxmlformats.org/drawingml/2006/main" xmlns:r="http://schemas.openxmlformats.org/officeDocument/2006/relationships" xmlns:p="http://schemas.openxmlformats.org/presentationml/2006/main">
+  <p:cSld>
+    <p:spTree>
+      <p:nvGrpSpPr>
+        <p:cNvPr id="1" name=""/>
+        <p:cNvGrpSpPr/>
+        <p:nvPr/>
+      </p:nvGrpSpPr>
+      <p:grpSpPr>
+        <a:xfrm>
+          <a:off x="0" y="0"/>
+          <a:ext cx="0" cy="0"/>
+          <a:chOff x="0" y="0"/>
+          <a:chExt cx="0" cy="0"/>
+        </a:xfrm>
+      </p:grpSpPr>
+      <p:sp>
+        <p:nvSpPr>
+          <p:cNvPr id="4" name="Text Placeholder 1">
+            <a:extLst>
+              <a:ext uri="{FF2B5EF4-FFF2-40B4-BE49-F238E27FC236}">
+                <a16:creationId xmlns:a16="http://schemas.microsoft.com/office/drawing/2014/main" id="{D735F7F3-C1B5-4B60-A00A-4EB618DDFB5A}"/>
+              </a:ext>
+            </a:extLst>
+          </p:cNvPr>
+          <p:cNvSpPr>
+            <a:spLocks noGrp="1"/>
+          </p:cNvSpPr>
+          <p:nvPr/>
+        </p:nvSpPr>
+        <p:spPr>
+          <a:xfrm>
+            <a:off x="661650" y="797666"/>
+            <a:ext cx="11573197" cy="724247"/>
+          </a:xfrm>
+          <a:prstGeom prst="rect">
+            <a:avLst/>
+          </a:prstGeom>
+        </p:spPr>
+        <p:txBody>
+          <a:bodyPr anchor="ctr"/>
+          <a:lstStyle>
+            <a:lvl1pPr marL="0" indent="0" algn="ctr" defTabSz="914400" rtl="0" eaLnBrk="1" latinLnBrk="0" hangingPunct="1">
+              <a:lnSpc>
+                <a:spcPct val="90000"/>
+              </a:lnSpc>
+              <a:spcBef>
+                <a:spcPts val="1000"/>
+              </a:spcBef>
+              <a:buFont typeface="Arial" panose="020B0604020202020204" pitchFamily="34" charset="0"/>
+              <a:buNone/>
+              <a:defRPr sz="5400" b="0" kern="1200" baseline="0">
+                <a:solidFill>
+                  <a:schemeClr val="tx1">
+                    <a:lumMod val="85000"/>
+                    <a:lumOff val="15000"/>
+                  </a:schemeClr>
+                </a:solidFill>
+                <a:latin typeface="+mj-lt"/>
+                <a:ea typeface="+mn-ea"/>
+                <a:cs typeface="Arial" pitchFamily="34" charset="0"/>
+              </a:defRPr>
+            </a:lvl1pPr>
+            <a:lvl2pPr marL="685800" indent="-228600" algn="l" defTabSz="914400" rtl="0" eaLnBrk="1" latinLnBrk="0" hangingPunct="1">
+              <a:lnSpc>
+                <a:spcPct val="90000"/>
+              </a:lnSpc>
+              <a:spcBef>
+                <a:spcPts val="500"/>
+              </a:spcBef>
+              <a:buFont typeface="Arial" panose="020B0604020202020204" pitchFamily="34" charset="0"/>
+              <a:buChar char="•"/>
+              <a:defRPr sz="2400" kern="1200">
+                <a:solidFill>
+                  <a:schemeClr val="tx1"/>
+                </a:solidFill>
+                <a:latin typeface="+mn-lt"/>
+                <a:ea typeface="+mn-ea"/>
+                <a:cs typeface="+mn-cs"/>
+              </a:defRPr>
+            </a:lvl2pPr>
+            <a:lvl3pPr marL="1143000" indent="-228600" algn="l" defTabSz="914400" rtl="0" eaLnBrk="1" latinLnBrk="0" hangingPunct="1">
+              <a:lnSpc>
+                <a:spcPct val="90000"/>
+              </a:lnSpc>
+              <a:spcBef>
+                <a:spcPts val="500"/>
+              </a:spcBef>
+              <a:buFont typeface="Arial" panose="020B0604020202020204" pitchFamily="34" charset="0"/>
+              <a:buChar char="•"/>
+              <a:defRPr sz="2000" kern="1200">
+                <a:solidFill>
+                  <a:schemeClr val="tx1"/>
+                </a:solidFill>
+                <a:latin typeface="+mn-lt"/>
+                <a:ea typeface="+mn-ea"/>
+                <a:cs typeface="+mn-cs"/>
+              </a:defRPr>
+            </a:lvl3pPr>
+            <a:lvl4pPr marL="1600200" indent="-228600" algn="l" defTabSz="914400" rtl="0" eaLnBrk="1" latinLnBrk="0" hangingPunct="1">
+              <a:lnSpc>
+                <a:spcPct val="90000"/>
+              </a:lnSpc>
+              <a:spcBef>
+                <a:spcPts val="500"/>
+              </a:spcBef>
+              <a:buFont typeface="Arial" panose="020B0604020202020204" pitchFamily="34" charset="0"/>
+              <a:buChar char="•"/>
+              <a:defRPr sz="1800" kern="1200">
+                <a:solidFill>
+                  <a:schemeClr val="tx1"/>
+                </a:solidFill>
+                <a:latin typeface="+mn-lt"/>
+                <a:ea typeface="+mn-ea"/>
+                <a:cs typeface="+mn-cs"/>
+              </a:defRPr>
+            </a:lvl4pPr>
+            <a:lvl5pPr marL="2057400" indent="-228600" algn="l" defTabSz="914400" rtl="0" eaLnBrk="1" latinLnBrk="0" hangingPunct="1">
+              <a:lnSpc>
+                <a:spcPct val="90000"/>
+              </a:lnSpc>
+              <a:spcBef>
+                <a:spcPts val="500"/>
+              </a:spcBef>
+              <a:buFont typeface="Arial" panose="020B0604020202020204" pitchFamily="34" charset="0"/>
+              <a:buChar char="•"/>
+              <a:defRPr sz="1800" kern="1200">
+                <a:solidFill>
+                  <a:schemeClr val="tx1"/>
+                </a:solidFill>
+                <a:latin typeface="+mn-lt"/>
+                <a:ea typeface="+mn-ea"/>
+                <a:cs typeface="+mn-cs"/>
+              </a:defRPr>
+            </a:lvl5pPr>
+            <a:lvl6pPr marL="2514600" indent="-228600" algn="l" defTabSz="914400" rtl="0" eaLnBrk="1" latinLnBrk="0" hangingPunct="1">
+              <a:lnSpc>
+                <a:spcPct val="90000"/>
+              </a:lnSpc>
+              <a:spcBef>
+                <a:spcPts val="500"/>
+              </a:spcBef>
+              <a:buFont typeface="Arial" panose="020B0604020202020204" pitchFamily="34" charset="0"/>
+              <a:buChar char="•"/>
+              <a:defRPr sz="1800" kern="1200">
+                <a:solidFill>
+                  <a:schemeClr val="tx1"/>
+                </a:solidFill>
+                <a:latin typeface="+mn-lt"/>
+                <a:ea typeface="+mn-ea"/>
+                <a:cs typeface="+mn-cs"/>
+              </a:defRPr>
+            </a:lvl6pPr>
+            <a:lvl7pPr marL="2971800" indent="-228600" algn="l" defTabSz="914400" rtl="0" eaLnBrk="1" latinLnBrk="0" hangingPunct="1">
+              <a:lnSpc>
+                <a:spcPct val="90000"/>
+              </a:lnSpc>
+              <a:spcBef>
+                <a:spcPts val="500"/>
+              </a:spcBef>
+              <a:buFont typeface="Arial" panose="020B0604020202020204" pitchFamily="34" charset="0"/>
+              <a:buChar char="•"/>
+              <a:defRPr sz="1800" kern="1200">
+                <a:solidFill>
+                  <a:schemeClr val="tx1"/>
+                </a:solidFill>
+                <a:latin typeface="+mn-lt"/>
+                <a:ea typeface="+mn-ea"/>
+                <a:cs typeface="+mn-cs"/>
+              </a:defRPr>
+            </a:lvl7pPr>
+            <a:lvl8pPr marL="3429000" indent="-228600" algn="l" defTabSz="914400" rtl="0" eaLnBrk="1" latinLnBrk="0" hangingPunct="1">
+              <a:lnSpc>
+                <a:spcPct val="90000"/>
+              </a:lnSpc>
+              <a:spcBef>
+                <a:spcPts val="500"/>
+              </a:spcBef>
+              <a:buFont typeface="Arial" panose="020B0604020202020204" pitchFamily="34" charset="0"/>
+              <a:buChar char="•"/>
+              <a:defRPr sz="1800" kern="1200">
+                <a:solidFill>
+                  <a:schemeClr val="tx1"/>
+                </a:solidFill>
+                <a:latin typeface="+mn-lt"/>
+                <a:ea typeface="+mn-ea"/>
+                <a:cs typeface="+mn-cs"/>
+              </a:defRPr>
+            </a:lvl8pPr>
+            <a:lvl9pPr marL="3886200" indent="-228600" algn="l" defTabSz="914400" rtl="0" eaLnBrk="1" latinLnBrk="0" hangingPunct="1">
+              <a:lnSpc>
+                <a:spcPct val="90000"/>
+              </a:lnSpc>
+              <a:spcBef>
+                <a:spcPts val="500"/>
+              </a:spcBef>
+              <a:buFont typeface="Arial" panose="020B0604020202020204" pitchFamily="34" charset="0"/>
+              <a:buChar char="•"/>
+              <a:defRPr sz="1800" kern="1200">
+                <a:solidFill>
+                  <a:schemeClr val="tx1"/>
+                </a:solidFill>
+                <a:latin typeface="+mn-lt"/>
+                <a:ea typeface="+mn-ea"/>
+                <a:cs typeface="+mn-cs"/>
+              </a:defRPr>
+            </a:lvl9pPr>
+          </a:lstStyle>
+          <a:p>
+            <a:r>
+              <a:rPr lang="ko-KR" altLang="en-US" dirty="0"/>
+              <a:t>실습과제</a:t>
+            </a:r>
+            <a:r>
+              <a:rPr lang="en-US" altLang="ko-KR" dirty="0"/>
+              <a:t>001</a:t>
+            </a:r>
+            <a:endParaRPr lang="en-US" dirty="0"/>
+          </a:p>
+        </p:txBody>
+      </p:sp>
+      <p:sp>
+        <p:nvSpPr>
+          <p:cNvPr id="5" name="TextBox 36">
+            <a:extLst>
+              <a:ext uri="{FF2B5EF4-FFF2-40B4-BE49-F238E27FC236}">
+                <a16:creationId xmlns:a16="http://schemas.microsoft.com/office/drawing/2014/main" id="{27A1DAB7-E228-45EF-A714-66476844BB37}"/>
+              </a:ext>
+            </a:extLst>
+          </p:cNvPr>
+          <p:cNvSpPr txBox="1"/>
+          <p:nvPr/>
+        </p:nvSpPr>
+        <p:spPr>
+          <a:xfrm>
+            <a:off x="5757878" y="1696994"/>
+            <a:ext cx="7627450" cy="584775"/>
+          </a:xfrm>
+          <a:prstGeom prst="rect">
+            <a:avLst/>
+          </a:prstGeom>
+          <a:noFill/>
+        </p:spPr>
+        <p:txBody>
+          <a:bodyPr wrap="square" rtlCol="0">
+            <a:spAutoFit/>
+          </a:bodyPr>
+          <a:lstStyle>
+            <a:defPPr>
+              <a:defRPr lang="en-US"/>
+            </a:defPPr>
+            <a:lvl1pPr marL="0" algn="l" defTabSz="914400" rtl="0" eaLnBrk="1" latinLnBrk="0" hangingPunct="1">
+              <a:defRPr sz="1800" kern="1200">
+                <a:solidFill>
+                  <a:schemeClr val="tx1"/>
+                </a:solidFill>
+                <a:latin typeface="+mn-lt"/>
+                <a:ea typeface="+mn-ea"/>
+                <a:cs typeface="+mn-cs"/>
+              </a:defRPr>
+            </a:lvl1pPr>
+            <a:lvl2pPr marL="457200" algn="l" defTabSz="914400" rtl="0" eaLnBrk="1" latinLnBrk="0" hangingPunct="1">
+              <a:defRPr sz="1800" kern="1200">
+                <a:solidFill>
+                  <a:schemeClr val="tx1"/>
+                </a:solidFill>
+                <a:latin typeface="+mn-lt"/>
+                <a:ea typeface="+mn-ea"/>
+                <a:cs typeface="+mn-cs"/>
+              </a:defRPr>
+            </a:lvl2pPr>
+            <a:lvl3pPr marL="914400" algn="l" defTabSz="914400" rtl="0" eaLnBrk="1" latinLnBrk="0" hangingPunct="1">
+              <a:defRPr sz="1800" kern="1200">
+                <a:solidFill>
+                  <a:schemeClr val="tx1"/>
+                </a:solidFill>
+                <a:latin typeface="+mn-lt"/>
+                <a:ea typeface="+mn-ea"/>
+                <a:cs typeface="+mn-cs"/>
+              </a:defRPr>
+            </a:lvl3pPr>
+            <a:lvl4pPr marL="1371600" algn="l" defTabSz="914400" rtl="0" eaLnBrk="1" latinLnBrk="0" hangingPunct="1">
+              <a:defRPr sz="1800" kern="1200">
+                <a:solidFill>
+                  <a:schemeClr val="tx1"/>
+                </a:solidFill>
+                <a:latin typeface="+mn-lt"/>
+                <a:ea typeface="+mn-ea"/>
+                <a:cs typeface="+mn-cs"/>
+              </a:defRPr>
+            </a:lvl4pPr>
+            <a:lvl5pPr marL="1828800" algn="l" defTabSz="914400" rtl="0" eaLnBrk="1" latinLnBrk="0" hangingPunct="1">
+              <a:defRPr sz="1800" kern="1200">
+                <a:solidFill>
+                  <a:schemeClr val="tx1"/>
+                </a:solidFill>
+                <a:latin typeface="+mn-lt"/>
+                <a:ea typeface="+mn-ea"/>
+                <a:cs typeface="+mn-cs"/>
+              </a:defRPr>
+            </a:lvl5pPr>
+            <a:lvl6pPr marL="2286000" algn="l" defTabSz="914400" rtl="0" eaLnBrk="1" latinLnBrk="0" hangingPunct="1">
+              <a:defRPr sz="1800" kern="1200">
+                <a:solidFill>
+                  <a:schemeClr val="tx1"/>
+                </a:solidFill>
+                <a:latin typeface="+mn-lt"/>
+                <a:ea typeface="+mn-ea"/>
+                <a:cs typeface="+mn-cs"/>
+              </a:defRPr>
+            </a:lvl6pPr>
+            <a:lvl7pPr marL="2743200" algn="l" defTabSz="914400" rtl="0" eaLnBrk="1" latinLnBrk="0" hangingPunct="1">
+              <a:defRPr sz="1800" kern="1200">
+                <a:solidFill>
+                  <a:schemeClr val="tx1"/>
+                </a:solidFill>
+                <a:latin typeface="+mn-lt"/>
+                <a:ea typeface="+mn-ea"/>
+                <a:cs typeface="+mn-cs"/>
+              </a:defRPr>
+            </a:lvl7pPr>
+            <a:lvl8pPr marL="3200400" algn="l" defTabSz="914400" rtl="0" eaLnBrk="1" latinLnBrk="0" hangingPunct="1">
+              <a:defRPr sz="1800" kern="1200">
+                <a:solidFill>
+                  <a:schemeClr val="tx1"/>
+                </a:solidFill>
+                <a:latin typeface="+mn-lt"/>
+                <a:ea typeface="+mn-ea"/>
+                <a:cs typeface="+mn-cs"/>
+              </a:defRPr>
+            </a:lvl8pPr>
+            <a:lvl9pPr marL="3657600" algn="l" defTabSz="914400" rtl="0" eaLnBrk="1" latinLnBrk="0" hangingPunct="1">
+              <a:defRPr sz="1800" kern="1200">
+                <a:solidFill>
+                  <a:schemeClr val="tx1"/>
+                </a:solidFill>
+                <a:latin typeface="+mn-lt"/>
+                <a:ea typeface="+mn-ea"/>
+                <a:cs typeface="+mn-cs"/>
+              </a:defRPr>
+            </a:lvl9pPr>
+          </a:lstStyle>
+          <a:p>
+            <a:pPr algn="ctr"/>
+            <a:r>
+              <a:rPr lang="ko-KR" altLang="en-US" sz="3200" b="1" dirty="0">
+                <a:solidFill>
+                  <a:schemeClr val="accent2"/>
+                </a:solidFill>
+                <a:cs typeface="Arial" pitchFamily="34" charset="0"/>
+              </a:rPr>
+              <a:t>출력결과</a:t>
+            </a:r>
+          </a:p>
+        </p:txBody>
+      </p:sp>
+      <p:pic>
+        <p:nvPicPr>
+          <p:cNvPr id="6" name="그림 5">
+            <a:extLst>
+              <a:ext uri="{FF2B5EF4-FFF2-40B4-BE49-F238E27FC236}">
+                <a16:creationId xmlns:a16="http://schemas.microsoft.com/office/drawing/2014/main" id="{9F5ADB95-C4D8-41E9-88FC-81F434DFA92E}"/>
+              </a:ext>
+            </a:extLst>
+          </p:cNvPr>
+          <p:cNvPicPr>
+            <a:picLocks noChangeAspect="1"/>
+          </p:cNvPicPr>
+          <p:nvPr/>
+        </p:nvPicPr>
+        <p:blipFill rotWithShape="1">
+          <a:blip r:embed="rId2"/>
+          <a:srcRect l="16651" t="81154" r="72890" b="6652"/>
+          <a:stretch/>
+        </p:blipFill>
+        <p:spPr>
+          <a:xfrm>
+            <a:off x="8300671" y="2281769"/>
+            <a:ext cx="2541864" cy="1605388"/>
+          </a:xfrm>
+          <a:prstGeom prst="rect">
+            <a:avLst/>
+          </a:prstGeom>
+        </p:spPr>
+      </p:pic>
+      <p:sp>
+        <p:nvSpPr>
+          <p:cNvPr id="7" name="TextBox 6">
+            <a:extLst>
+              <a:ext uri="{FF2B5EF4-FFF2-40B4-BE49-F238E27FC236}">
+                <a16:creationId xmlns:a16="http://schemas.microsoft.com/office/drawing/2014/main" id="{D8115135-BE28-4051-90E3-5FBABFCAAAEE}"/>
+              </a:ext>
+            </a:extLst>
+          </p:cNvPr>
+          <p:cNvSpPr txBox="1"/>
+          <p:nvPr/>
+        </p:nvSpPr>
+        <p:spPr>
+          <a:xfrm>
+            <a:off x="-1193329" y="1696993"/>
+            <a:ext cx="7627450" cy="584775"/>
+          </a:xfrm>
+          <a:prstGeom prst="rect">
+            <a:avLst/>
+          </a:prstGeom>
+          <a:noFill/>
+        </p:spPr>
+        <p:txBody>
+          <a:bodyPr wrap="square" rtlCol="0">
+            <a:spAutoFit/>
+          </a:bodyPr>
+          <a:lstStyle>
+            <a:defPPr>
+              <a:defRPr lang="en-US"/>
+            </a:defPPr>
+            <a:lvl1pPr marL="0" algn="l" defTabSz="914400" rtl="0" eaLnBrk="1" latinLnBrk="0" hangingPunct="1">
+              <a:defRPr sz="1800" kern="1200">
+                <a:solidFill>
+                  <a:schemeClr val="tx1"/>
+                </a:solidFill>
+                <a:latin typeface="+mn-lt"/>
+                <a:ea typeface="+mn-ea"/>
+                <a:cs typeface="+mn-cs"/>
+              </a:defRPr>
+            </a:lvl1pPr>
+            <a:lvl2pPr marL="457200" algn="l" defTabSz="914400" rtl="0" eaLnBrk="1" latinLnBrk="0" hangingPunct="1">
+              <a:defRPr sz="1800" kern="1200">
+                <a:solidFill>
+                  <a:schemeClr val="tx1"/>
+                </a:solidFill>
+                <a:latin typeface="+mn-lt"/>
+                <a:ea typeface="+mn-ea"/>
+                <a:cs typeface="+mn-cs"/>
+              </a:defRPr>
+            </a:lvl2pPr>
+            <a:lvl3pPr marL="914400" algn="l" defTabSz="914400" rtl="0" eaLnBrk="1" latinLnBrk="0" hangingPunct="1">
+              <a:defRPr sz="1800" kern="1200">
+                <a:solidFill>
+                  <a:schemeClr val="tx1"/>
+                </a:solidFill>
+                <a:latin typeface="+mn-lt"/>
+                <a:ea typeface="+mn-ea"/>
+                <a:cs typeface="+mn-cs"/>
+              </a:defRPr>
+            </a:lvl3pPr>
+            <a:lvl4pPr marL="1371600" algn="l" defTabSz="914400" rtl="0" eaLnBrk="1" latinLnBrk="0" hangingPunct="1">
+              <a:defRPr sz="1800" kern="1200">
+                <a:solidFill>
+                  <a:schemeClr val="tx1"/>
+                </a:solidFill>
+                <a:latin typeface="+mn-lt"/>
+                <a:ea typeface="+mn-ea"/>
+                <a:cs typeface="+mn-cs"/>
+              </a:defRPr>
+            </a:lvl4pPr>
+            <a:lvl5pPr marL="1828800" algn="l" defTabSz="914400" rtl="0" eaLnBrk="1" latinLnBrk="0" hangingPunct="1">
+              <a:defRPr sz="1800" kern="1200">
+                <a:solidFill>
+                  <a:schemeClr val="tx1"/>
+                </a:solidFill>
+                <a:latin typeface="+mn-lt"/>
+                <a:ea typeface="+mn-ea"/>
+                <a:cs typeface="+mn-cs"/>
+              </a:defRPr>
+            </a:lvl5pPr>
+            <a:lvl6pPr marL="2286000" algn="l" defTabSz="914400" rtl="0" eaLnBrk="1" latinLnBrk="0" hangingPunct="1">
+              <a:defRPr sz="1800" kern="1200">
+                <a:solidFill>
+                  <a:schemeClr val="tx1"/>
+                </a:solidFill>
+                <a:latin typeface="+mn-lt"/>
+                <a:ea typeface="+mn-ea"/>
+                <a:cs typeface="+mn-cs"/>
+              </a:defRPr>
+            </a:lvl6pPr>
+            <a:lvl7pPr marL="2743200" algn="l" defTabSz="914400" rtl="0" eaLnBrk="1" latinLnBrk="0" hangingPunct="1">
+              <a:defRPr sz="1800" kern="1200">
+                <a:solidFill>
+                  <a:schemeClr val="tx1"/>
+                </a:solidFill>
+                <a:latin typeface="+mn-lt"/>
+                <a:ea typeface="+mn-ea"/>
+                <a:cs typeface="+mn-cs"/>
+              </a:defRPr>
+            </a:lvl7pPr>
+            <a:lvl8pPr marL="3200400" algn="l" defTabSz="914400" rtl="0" eaLnBrk="1" latinLnBrk="0" hangingPunct="1">
+              <a:defRPr sz="1800" kern="1200">
+                <a:solidFill>
+                  <a:schemeClr val="tx1"/>
+                </a:solidFill>
+                <a:latin typeface="+mn-lt"/>
+                <a:ea typeface="+mn-ea"/>
+                <a:cs typeface="+mn-cs"/>
+              </a:defRPr>
+            </a:lvl8pPr>
+            <a:lvl9pPr marL="3657600" algn="l" defTabSz="914400" rtl="0" eaLnBrk="1" latinLnBrk="0" hangingPunct="1">
+              <a:defRPr sz="1800" kern="1200">
+                <a:solidFill>
+                  <a:schemeClr val="tx1"/>
+                </a:solidFill>
+                <a:latin typeface="+mn-lt"/>
+                <a:ea typeface="+mn-ea"/>
+                <a:cs typeface="+mn-cs"/>
+              </a:defRPr>
+            </a:lvl9pPr>
+          </a:lstStyle>
+          <a:p>
+            <a:pPr algn="ctr"/>
+            <a:r>
+              <a:rPr lang="ko-KR" altLang="en-US" sz="3200" b="1" dirty="0">
+                <a:solidFill>
+                  <a:schemeClr val="accent2"/>
+                </a:solidFill>
+                <a:cs typeface="Arial" pitchFamily="34" charset="0"/>
+              </a:rPr>
+              <a:t>목표</a:t>
+            </a:r>
+          </a:p>
+        </p:txBody>
+      </p:sp>
+      <p:sp>
+        <p:nvSpPr>
+          <p:cNvPr id="8" name="TextBox 7">
+            <a:extLst>
+              <a:ext uri="{FF2B5EF4-FFF2-40B4-BE49-F238E27FC236}">
+                <a16:creationId xmlns:a16="http://schemas.microsoft.com/office/drawing/2014/main" id="{3FFB263B-2D55-486C-BB0A-C8EBBEF8382D}"/>
+              </a:ext>
+            </a:extLst>
+          </p:cNvPr>
+          <p:cNvSpPr txBox="1"/>
+          <p:nvPr/>
+        </p:nvSpPr>
+        <p:spPr>
+          <a:xfrm>
+            <a:off x="1453423" y="2456848"/>
+            <a:ext cx="7627452" cy="1015663"/>
+          </a:xfrm>
+          <a:prstGeom prst="rect">
+            <a:avLst/>
+          </a:prstGeom>
+          <a:noFill/>
+        </p:spPr>
+        <p:txBody>
+          <a:bodyPr wrap="square" rtlCol="0">
+            <a:spAutoFit/>
+          </a:bodyPr>
+          <a:lstStyle>
+            <a:defPPr>
+              <a:defRPr lang="en-US"/>
+            </a:defPPr>
+            <a:lvl1pPr marL="0" algn="l" defTabSz="914400" rtl="0" eaLnBrk="1" latinLnBrk="0" hangingPunct="1">
+              <a:defRPr sz="1800" kern="1200">
+                <a:solidFill>
+                  <a:schemeClr val="tx1"/>
+                </a:solidFill>
+                <a:latin typeface="+mn-lt"/>
+                <a:ea typeface="+mn-ea"/>
+                <a:cs typeface="+mn-cs"/>
+              </a:defRPr>
+            </a:lvl1pPr>
+            <a:lvl2pPr marL="457200" algn="l" defTabSz="914400" rtl="0" eaLnBrk="1" latinLnBrk="0" hangingPunct="1">
+              <a:defRPr sz="1800" kern="1200">
+                <a:solidFill>
+                  <a:schemeClr val="tx1"/>
+                </a:solidFill>
+                <a:latin typeface="+mn-lt"/>
+                <a:ea typeface="+mn-ea"/>
+                <a:cs typeface="+mn-cs"/>
+              </a:defRPr>
+            </a:lvl2pPr>
+            <a:lvl3pPr marL="914400" algn="l" defTabSz="914400" rtl="0" eaLnBrk="1" latinLnBrk="0" hangingPunct="1">
+              <a:defRPr sz="1800" kern="1200">
+                <a:solidFill>
+                  <a:schemeClr val="tx1"/>
+                </a:solidFill>
+                <a:latin typeface="+mn-lt"/>
+                <a:ea typeface="+mn-ea"/>
+                <a:cs typeface="+mn-cs"/>
+              </a:defRPr>
+            </a:lvl3pPr>
+            <a:lvl4pPr marL="1371600" algn="l" defTabSz="914400" rtl="0" eaLnBrk="1" latinLnBrk="0" hangingPunct="1">
+              <a:defRPr sz="1800" kern="1200">
+                <a:solidFill>
+                  <a:schemeClr val="tx1"/>
+                </a:solidFill>
+                <a:latin typeface="+mn-lt"/>
+                <a:ea typeface="+mn-ea"/>
+                <a:cs typeface="+mn-cs"/>
+              </a:defRPr>
+            </a:lvl4pPr>
+            <a:lvl5pPr marL="1828800" algn="l" defTabSz="914400" rtl="0" eaLnBrk="1" latinLnBrk="0" hangingPunct="1">
+              <a:defRPr sz="1800" kern="1200">
+                <a:solidFill>
+                  <a:schemeClr val="tx1"/>
+                </a:solidFill>
+                <a:latin typeface="+mn-lt"/>
+                <a:ea typeface="+mn-ea"/>
+                <a:cs typeface="+mn-cs"/>
+              </a:defRPr>
+            </a:lvl5pPr>
+            <a:lvl6pPr marL="2286000" algn="l" defTabSz="914400" rtl="0" eaLnBrk="1" latinLnBrk="0" hangingPunct="1">
+              <a:defRPr sz="1800" kern="1200">
+                <a:solidFill>
+                  <a:schemeClr val="tx1"/>
+                </a:solidFill>
+                <a:latin typeface="+mn-lt"/>
+                <a:ea typeface="+mn-ea"/>
+                <a:cs typeface="+mn-cs"/>
+              </a:defRPr>
+            </a:lvl6pPr>
+            <a:lvl7pPr marL="2743200" algn="l" defTabSz="914400" rtl="0" eaLnBrk="1" latinLnBrk="0" hangingPunct="1">
+              <a:defRPr sz="1800" kern="1200">
+                <a:solidFill>
+                  <a:schemeClr val="tx1"/>
+                </a:solidFill>
+                <a:latin typeface="+mn-lt"/>
+                <a:ea typeface="+mn-ea"/>
+                <a:cs typeface="+mn-cs"/>
+              </a:defRPr>
+            </a:lvl7pPr>
+            <a:lvl8pPr marL="3200400" algn="l" defTabSz="914400" rtl="0" eaLnBrk="1" latinLnBrk="0" hangingPunct="1">
+              <a:defRPr sz="1800" kern="1200">
+                <a:solidFill>
+                  <a:schemeClr val="tx1"/>
+                </a:solidFill>
+                <a:latin typeface="+mn-lt"/>
+                <a:ea typeface="+mn-ea"/>
+                <a:cs typeface="+mn-cs"/>
+              </a:defRPr>
+            </a:lvl8pPr>
+            <a:lvl9pPr marL="3657600" algn="l" defTabSz="914400" rtl="0" eaLnBrk="1" latinLnBrk="0" hangingPunct="1">
+              <a:defRPr sz="1800" kern="1200">
+                <a:solidFill>
+                  <a:schemeClr val="tx1"/>
+                </a:solidFill>
+                <a:latin typeface="+mn-lt"/>
+                <a:ea typeface="+mn-ea"/>
+                <a:cs typeface="+mn-cs"/>
+              </a:defRPr>
+            </a:lvl9pPr>
+          </a:lstStyle>
+          <a:p>
+            <a:r>
+              <a:rPr lang="en-US" altLang="ko-KR" sz="2000" dirty="0">
+                <a:solidFill>
+                  <a:schemeClr val="tx1">
+                    <a:lumMod val="75000"/>
+                    <a:lumOff val="25000"/>
+                  </a:schemeClr>
+                </a:solidFill>
+                <a:cs typeface="Arial" pitchFamily="34" charset="0"/>
+              </a:rPr>
+              <a:t>Input</a:t>
+            </a:r>
+            <a:r>
+              <a:rPr lang="ko-KR" altLang="en-US" sz="2000" dirty="0">
+                <a:solidFill>
+                  <a:schemeClr val="tx1">
+                    <a:lumMod val="75000"/>
+                    <a:lumOff val="25000"/>
+                  </a:schemeClr>
+                </a:solidFill>
+                <a:cs typeface="Arial" pitchFamily="34" charset="0"/>
+              </a:rPr>
+              <a:t>으로 이름을 </a:t>
+            </a:r>
+            <a:r>
+              <a:rPr lang="ko-KR" altLang="en-US" sz="2000" dirty="0" err="1">
+                <a:solidFill>
+                  <a:schemeClr val="tx1">
+                    <a:lumMod val="75000"/>
+                    <a:lumOff val="25000"/>
+                  </a:schemeClr>
+                </a:solidFill>
+                <a:cs typeface="Arial" pitchFamily="34" charset="0"/>
+              </a:rPr>
+              <a:t>입력받고</a:t>
+            </a:r>
+            <a:r>
+              <a:rPr lang="en-US" altLang="ko-KR" sz="2000" dirty="0">
+                <a:solidFill>
+                  <a:schemeClr val="tx1">
+                    <a:lumMod val="75000"/>
+                    <a:lumOff val="25000"/>
+                  </a:schemeClr>
+                </a:solidFill>
+                <a:cs typeface="Arial" pitchFamily="34" charset="0"/>
+              </a:rPr>
+              <a:t>,</a:t>
+            </a:r>
+          </a:p>
+          <a:p>
+            <a:r>
+              <a:rPr lang="ko-KR" altLang="en-US" sz="2000" dirty="0">
+                <a:solidFill>
+                  <a:schemeClr val="tx1">
+                    <a:lumMod val="75000"/>
+                    <a:lumOff val="25000"/>
+                  </a:schemeClr>
+                </a:solidFill>
+                <a:cs typeface="Arial" pitchFamily="34" charset="0"/>
+              </a:rPr>
+              <a:t>본인의 이름을 입력했을 때 </a:t>
+            </a:r>
+            <a:r>
+              <a:rPr lang="en-US" altLang="ko-KR" sz="2000" dirty="0">
+                <a:solidFill>
+                  <a:schemeClr val="tx1">
+                    <a:lumMod val="75000"/>
+                    <a:lumOff val="25000"/>
+                  </a:schemeClr>
+                </a:solidFill>
+                <a:cs typeface="Arial" pitchFamily="34" charset="0"/>
+              </a:rPr>
+              <a:t>“</a:t>
+            </a:r>
+            <a:r>
+              <a:rPr lang="ko-KR" altLang="en-US" sz="2000" dirty="0">
+                <a:solidFill>
+                  <a:schemeClr val="tx1">
+                    <a:lumMod val="75000"/>
+                    <a:lumOff val="25000"/>
+                  </a:schemeClr>
+                </a:solidFill>
+                <a:cs typeface="Arial" pitchFamily="34" charset="0"/>
+              </a:rPr>
+              <a:t>본인입니다</a:t>
+            </a:r>
+            <a:r>
+              <a:rPr lang="en-US" altLang="ko-KR" sz="2000" dirty="0">
+                <a:solidFill>
+                  <a:schemeClr val="tx1">
+                    <a:lumMod val="75000"/>
+                    <a:lumOff val="25000"/>
+                  </a:schemeClr>
+                </a:solidFill>
+                <a:cs typeface="Arial" pitchFamily="34" charset="0"/>
+              </a:rPr>
+              <a:t>”</a:t>
+            </a:r>
+          </a:p>
+          <a:p>
+            <a:r>
+              <a:rPr lang="ko-KR" altLang="en-US" sz="2000" dirty="0" err="1">
+                <a:solidFill>
+                  <a:schemeClr val="tx1">
+                    <a:lumMod val="75000"/>
+                    <a:lumOff val="25000"/>
+                  </a:schemeClr>
+                </a:solidFill>
+                <a:cs typeface="Arial" pitchFamily="34" charset="0"/>
+              </a:rPr>
+              <a:t>그외의</a:t>
+            </a:r>
+            <a:r>
+              <a:rPr lang="ko-KR" altLang="en-US" sz="2000" dirty="0">
+                <a:solidFill>
+                  <a:schemeClr val="tx1">
+                    <a:lumMod val="75000"/>
+                    <a:lumOff val="25000"/>
+                  </a:schemeClr>
+                </a:solidFill>
+                <a:cs typeface="Arial" pitchFamily="34" charset="0"/>
+              </a:rPr>
+              <a:t> 경우 </a:t>
+            </a:r>
+            <a:r>
+              <a:rPr lang="en-US" altLang="ko-KR" sz="2000" dirty="0">
+                <a:solidFill>
+                  <a:schemeClr val="tx1">
+                    <a:lumMod val="75000"/>
+                    <a:lumOff val="25000"/>
+                  </a:schemeClr>
+                </a:solidFill>
+                <a:cs typeface="Arial" pitchFamily="34" charset="0"/>
+              </a:rPr>
+              <a:t>“</a:t>
+            </a:r>
+            <a:r>
+              <a:rPr lang="ko-KR" altLang="en-US" sz="2000" dirty="0">
+                <a:solidFill>
+                  <a:schemeClr val="tx1">
+                    <a:lumMod val="75000"/>
+                    <a:lumOff val="25000"/>
+                  </a:schemeClr>
+                </a:solidFill>
+                <a:cs typeface="Arial" pitchFamily="34" charset="0"/>
+              </a:rPr>
+              <a:t>본인이 아닙니다</a:t>
+            </a:r>
+            <a:r>
+              <a:rPr lang="en-US" altLang="ko-KR" sz="2000" dirty="0">
+                <a:solidFill>
+                  <a:schemeClr val="tx1">
+                    <a:lumMod val="75000"/>
+                    <a:lumOff val="25000"/>
+                  </a:schemeClr>
+                </a:solidFill>
+                <a:cs typeface="Arial" pitchFamily="34" charset="0"/>
+              </a:rPr>
+              <a:t>”</a:t>
+            </a:r>
+            <a:r>
+              <a:rPr lang="ko-KR" altLang="en-US" sz="2000" dirty="0">
+                <a:solidFill>
+                  <a:schemeClr val="tx1">
+                    <a:lumMod val="75000"/>
+                    <a:lumOff val="25000"/>
+                  </a:schemeClr>
+                </a:solidFill>
+                <a:cs typeface="Arial" pitchFamily="34" charset="0"/>
+              </a:rPr>
+              <a:t>를 출력</a:t>
+            </a:r>
+            <a:endParaRPr lang="en-US" altLang="ko-KR" sz="2000" dirty="0">
+              <a:solidFill>
+                <a:schemeClr val="tx1">
+                  <a:lumMod val="75000"/>
+                  <a:lumOff val="25000"/>
+                </a:schemeClr>
+              </a:solidFill>
+              <a:cs typeface="Arial" pitchFamily="34" charset="0"/>
+            </a:endParaRPr>
+          </a:p>
+        </p:txBody>
+      </p:sp>
+      <p:sp>
+        <p:nvSpPr>
+          <p:cNvPr id="9" name="타원 8">
+            <a:extLst>
+              <a:ext uri="{FF2B5EF4-FFF2-40B4-BE49-F238E27FC236}">
+                <a16:creationId xmlns:a16="http://schemas.microsoft.com/office/drawing/2014/main" id="{677240C4-DE24-4B95-AD08-F814C0896289}"/>
+              </a:ext>
+            </a:extLst>
+          </p:cNvPr>
+          <p:cNvSpPr/>
+          <p:nvPr/>
+        </p:nvSpPr>
+        <p:spPr>
+          <a:xfrm>
+            <a:off x="9910746" y="2456848"/>
+            <a:ext cx="657225" cy="373034"/>
+          </a:xfrm>
+          <a:prstGeom prst="ellipse">
+            <a:avLst/>
+          </a:prstGeom>
+          <a:noFill/>
+          <a:ln>
+            <a:solidFill>
+              <a:srgbClr val="FF0000"/>
+            </a:solidFill>
+          </a:ln>
+        </p:spPr>
+        <p:style>
+          <a:lnRef idx="2">
+            <a:schemeClr val="accent1">
+              <a:shade val="50000"/>
+            </a:schemeClr>
+          </a:lnRef>
+          <a:fillRef idx="1">
+            <a:schemeClr val="accent1"/>
+          </a:fillRef>
+          <a:effectRef idx="0">
+            <a:schemeClr val="accent1"/>
+          </a:effectRef>
+          <a:fontRef idx="minor">
+            <a:schemeClr val="lt1"/>
+          </a:fontRef>
+        </p:style>
+        <p:txBody>
+          <a:bodyPr rtlCol="0" anchor="ctr"/>
+          <a:lstStyle>
+            <a:defPPr>
+              <a:defRPr lang="en-US"/>
+            </a:defPPr>
+            <a:lvl1pPr marL="0" algn="l" defTabSz="914400" rtl="0" eaLnBrk="1" latinLnBrk="0" hangingPunct="1">
+              <a:defRPr sz="1800" kern="1200">
+                <a:solidFill>
+                  <a:schemeClr val="lt1"/>
+                </a:solidFill>
+                <a:latin typeface="+mn-lt"/>
+                <a:ea typeface="+mn-ea"/>
+                <a:cs typeface="+mn-cs"/>
+              </a:defRPr>
+            </a:lvl1pPr>
+            <a:lvl2pPr marL="457200" algn="l" defTabSz="914400" rtl="0" eaLnBrk="1" latinLnBrk="0" hangingPunct="1">
+              <a:defRPr sz="1800" kern="1200">
+                <a:solidFill>
+                  <a:schemeClr val="lt1"/>
+                </a:solidFill>
+                <a:latin typeface="+mn-lt"/>
+                <a:ea typeface="+mn-ea"/>
+                <a:cs typeface="+mn-cs"/>
+              </a:defRPr>
+            </a:lvl2pPr>
+            <a:lvl3pPr marL="914400" algn="l" defTabSz="914400" rtl="0" eaLnBrk="1" latinLnBrk="0" hangingPunct="1">
+              <a:defRPr sz="1800" kern="1200">
+                <a:solidFill>
+                  <a:schemeClr val="lt1"/>
+                </a:solidFill>
+                <a:latin typeface="+mn-lt"/>
+                <a:ea typeface="+mn-ea"/>
+                <a:cs typeface="+mn-cs"/>
+              </a:defRPr>
+            </a:lvl3pPr>
+            <a:lvl4pPr marL="1371600" algn="l" defTabSz="914400" rtl="0" eaLnBrk="1" latinLnBrk="0" hangingPunct="1">
+              <a:defRPr sz="1800" kern="1200">
+                <a:solidFill>
+                  <a:schemeClr val="lt1"/>
+                </a:solidFill>
+                <a:latin typeface="+mn-lt"/>
+                <a:ea typeface="+mn-ea"/>
+                <a:cs typeface="+mn-cs"/>
+              </a:defRPr>
+            </a:lvl4pPr>
+            <a:lvl5pPr marL="1828800" algn="l" defTabSz="914400" rtl="0" eaLnBrk="1" latinLnBrk="0" hangingPunct="1">
+              <a:defRPr sz="1800" kern="1200">
+                <a:solidFill>
+                  <a:schemeClr val="lt1"/>
+                </a:solidFill>
+                <a:latin typeface="+mn-lt"/>
+                <a:ea typeface="+mn-ea"/>
+                <a:cs typeface="+mn-cs"/>
+              </a:defRPr>
+            </a:lvl5pPr>
+            <a:lvl6pPr marL="2286000" algn="l" defTabSz="914400" rtl="0" eaLnBrk="1" latinLnBrk="0" hangingPunct="1">
+              <a:defRPr sz="1800" kern="1200">
+                <a:solidFill>
+                  <a:schemeClr val="lt1"/>
+                </a:solidFill>
+                <a:latin typeface="+mn-lt"/>
+                <a:ea typeface="+mn-ea"/>
+                <a:cs typeface="+mn-cs"/>
+              </a:defRPr>
+            </a:lvl6pPr>
+            <a:lvl7pPr marL="2743200" algn="l" defTabSz="914400" rtl="0" eaLnBrk="1" latinLnBrk="0" hangingPunct="1">
+              <a:defRPr sz="1800" kern="1200">
+                <a:solidFill>
+                  <a:schemeClr val="lt1"/>
+                </a:solidFill>
+                <a:latin typeface="+mn-lt"/>
+                <a:ea typeface="+mn-ea"/>
+                <a:cs typeface="+mn-cs"/>
+              </a:defRPr>
+            </a:lvl7pPr>
+            <a:lvl8pPr marL="3200400" algn="l" defTabSz="914400" rtl="0" eaLnBrk="1" latinLnBrk="0" hangingPunct="1">
+              <a:defRPr sz="1800" kern="1200">
+                <a:solidFill>
+                  <a:schemeClr val="lt1"/>
+                </a:solidFill>
+                <a:latin typeface="+mn-lt"/>
+                <a:ea typeface="+mn-ea"/>
+                <a:cs typeface="+mn-cs"/>
+              </a:defRPr>
+            </a:lvl8pPr>
+            <a:lvl9pPr marL="3657600" algn="l" defTabSz="914400" rtl="0" eaLnBrk="1" latinLnBrk="0" hangingPunct="1">
+              <a:defRPr sz="1800" kern="1200">
+                <a:solidFill>
+                  <a:schemeClr val="lt1"/>
+                </a:solidFill>
+                <a:latin typeface="+mn-lt"/>
+                <a:ea typeface="+mn-ea"/>
+                <a:cs typeface="+mn-cs"/>
+              </a:defRPr>
+            </a:lvl9pPr>
+          </a:lstStyle>
+          <a:p>
+            <a:pPr algn="ctr"/>
+            <a:endParaRPr lang="ko-KR" altLang="en-US" dirty="0"/>
+          </a:p>
+        </p:txBody>
+      </p:sp>
+      <p:sp>
+        <p:nvSpPr>
+          <p:cNvPr id="10" name="타원 9">
+            <a:extLst>
+              <a:ext uri="{FF2B5EF4-FFF2-40B4-BE49-F238E27FC236}">
+                <a16:creationId xmlns:a16="http://schemas.microsoft.com/office/drawing/2014/main" id="{0079485E-B14C-4197-B792-A41329CD8058}"/>
+              </a:ext>
+            </a:extLst>
+          </p:cNvPr>
+          <p:cNvSpPr/>
+          <p:nvPr/>
+        </p:nvSpPr>
+        <p:spPr>
+          <a:xfrm>
+            <a:off x="9910746" y="3118527"/>
+            <a:ext cx="657225" cy="373034"/>
+          </a:xfrm>
+          <a:prstGeom prst="ellipse">
+            <a:avLst/>
+          </a:prstGeom>
+          <a:noFill/>
+          <a:ln>
+            <a:solidFill>
+              <a:srgbClr val="FF0000"/>
+            </a:solidFill>
+          </a:ln>
+        </p:spPr>
+        <p:style>
+          <a:lnRef idx="2">
+            <a:schemeClr val="accent1">
+              <a:shade val="50000"/>
+            </a:schemeClr>
+          </a:lnRef>
+          <a:fillRef idx="1">
+            <a:schemeClr val="accent1"/>
+          </a:fillRef>
+          <a:effectRef idx="0">
+            <a:schemeClr val="accent1"/>
+          </a:effectRef>
+          <a:fontRef idx="minor">
+            <a:schemeClr val="lt1"/>
+          </a:fontRef>
+        </p:style>
+        <p:txBody>
+          <a:bodyPr rtlCol="0" anchor="ctr"/>
+          <a:lstStyle>
+            <a:defPPr>
+              <a:defRPr lang="en-US"/>
+            </a:defPPr>
+            <a:lvl1pPr marL="0" algn="l" defTabSz="914400" rtl="0" eaLnBrk="1" latinLnBrk="0" hangingPunct="1">
+              <a:defRPr sz="1800" kern="1200">
+                <a:solidFill>
+                  <a:schemeClr val="lt1"/>
+                </a:solidFill>
+                <a:latin typeface="+mn-lt"/>
+                <a:ea typeface="+mn-ea"/>
+                <a:cs typeface="+mn-cs"/>
+              </a:defRPr>
+            </a:lvl1pPr>
+            <a:lvl2pPr marL="457200" algn="l" defTabSz="914400" rtl="0" eaLnBrk="1" latinLnBrk="0" hangingPunct="1">
+              <a:defRPr sz="1800" kern="1200">
+                <a:solidFill>
+                  <a:schemeClr val="lt1"/>
+                </a:solidFill>
+                <a:latin typeface="+mn-lt"/>
+                <a:ea typeface="+mn-ea"/>
+                <a:cs typeface="+mn-cs"/>
+              </a:defRPr>
+            </a:lvl2pPr>
+            <a:lvl3pPr marL="914400" algn="l" defTabSz="914400" rtl="0" eaLnBrk="1" latinLnBrk="0" hangingPunct="1">
+              <a:defRPr sz="1800" kern="1200">
+                <a:solidFill>
+                  <a:schemeClr val="lt1"/>
+                </a:solidFill>
+                <a:latin typeface="+mn-lt"/>
+                <a:ea typeface="+mn-ea"/>
+                <a:cs typeface="+mn-cs"/>
+              </a:defRPr>
+            </a:lvl3pPr>
+            <a:lvl4pPr marL="1371600" algn="l" defTabSz="914400" rtl="0" eaLnBrk="1" latinLnBrk="0" hangingPunct="1">
+              <a:defRPr sz="1800" kern="1200">
+                <a:solidFill>
+                  <a:schemeClr val="lt1"/>
+                </a:solidFill>
+                <a:latin typeface="+mn-lt"/>
+                <a:ea typeface="+mn-ea"/>
+                <a:cs typeface="+mn-cs"/>
+              </a:defRPr>
+            </a:lvl4pPr>
+            <a:lvl5pPr marL="1828800" algn="l" defTabSz="914400" rtl="0" eaLnBrk="1" latinLnBrk="0" hangingPunct="1">
+              <a:defRPr sz="1800" kern="1200">
+                <a:solidFill>
+                  <a:schemeClr val="lt1"/>
+                </a:solidFill>
+                <a:latin typeface="+mn-lt"/>
+                <a:ea typeface="+mn-ea"/>
+                <a:cs typeface="+mn-cs"/>
+              </a:defRPr>
+            </a:lvl5pPr>
+            <a:lvl6pPr marL="2286000" algn="l" defTabSz="914400" rtl="0" eaLnBrk="1" latinLnBrk="0" hangingPunct="1">
+              <a:defRPr sz="1800" kern="1200">
+                <a:solidFill>
+                  <a:schemeClr val="lt1"/>
+                </a:solidFill>
+                <a:latin typeface="+mn-lt"/>
+                <a:ea typeface="+mn-ea"/>
+                <a:cs typeface="+mn-cs"/>
+              </a:defRPr>
+            </a:lvl6pPr>
+            <a:lvl7pPr marL="2743200" algn="l" defTabSz="914400" rtl="0" eaLnBrk="1" latinLnBrk="0" hangingPunct="1">
+              <a:defRPr sz="1800" kern="1200">
+                <a:solidFill>
+                  <a:schemeClr val="lt1"/>
+                </a:solidFill>
+                <a:latin typeface="+mn-lt"/>
+                <a:ea typeface="+mn-ea"/>
+                <a:cs typeface="+mn-cs"/>
+              </a:defRPr>
+            </a:lvl7pPr>
+            <a:lvl8pPr marL="3200400" algn="l" defTabSz="914400" rtl="0" eaLnBrk="1" latinLnBrk="0" hangingPunct="1">
+              <a:defRPr sz="1800" kern="1200">
+                <a:solidFill>
+                  <a:schemeClr val="lt1"/>
+                </a:solidFill>
+                <a:latin typeface="+mn-lt"/>
+                <a:ea typeface="+mn-ea"/>
+                <a:cs typeface="+mn-cs"/>
+              </a:defRPr>
+            </a:lvl8pPr>
+            <a:lvl9pPr marL="3657600" algn="l" defTabSz="914400" rtl="0" eaLnBrk="1" latinLnBrk="0" hangingPunct="1">
+              <a:defRPr sz="1800" kern="1200">
+                <a:solidFill>
+                  <a:schemeClr val="lt1"/>
+                </a:solidFill>
+                <a:latin typeface="+mn-lt"/>
+                <a:ea typeface="+mn-ea"/>
+                <a:cs typeface="+mn-cs"/>
+              </a:defRPr>
+            </a:lvl9pPr>
+          </a:lstStyle>
+          <a:p>
+            <a:pPr algn="ctr"/>
+            <a:endParaRPr lang="ko-KR" altLang="en-US" dirty="0"/>
+          </a:p>
+        </p:txBody>
+      </p:sp>
+      <p:sp>
+        <p:nvSpPr>
+          <p:cNvPr id="11" name="TextBox 11">
+            <a:extLst>
+              <a:ext uri="{FF2B5EF4-FFF2-40B4-BE49-F238E27FC236}">
+                <a16:creationId xmlns:a16="http://schemas.microsoft.com/office/drawing/2014/main" id="{2483B249-6DC1-4899-BD71-8E29BC08EBE7}"/>
+              </a:ext>
+            </a:extLst>
+          </p:cNvPr>
+          <p:cNvSpPr txBox="1"/>
+          <p:nvPr/>
+        </p:nvSpPr>
+        <p:spPr>
+          <a:xfrm>
+            <a:off x="-1193329" y="4592593"/>
+            <a:ext cx="7627450" cy="584775"/>
+          </a:xfrm>
+          <a:prstGeom prst="rect">
+            <a:avLst/>
+          </a:prstGeom>
+          <a:noFill/>
+        </p:spPr>
+        <p:txBody>
+          <a:bodyPr wrap="square" rtlCol="0">
+            <a:spAutoFit/>
+          </a:bodyPr>
+          <a:lstStyle>
+            <a:defPPr>
+              <a:defRPr lang="en-US"/>
+            </a:defPPr>
+            <a:lvl1pPr marL="0" algn="l" defTabSz="914400" rtl="0" eaLnBrk="1" latinLnBrk="0" hangingPunct="1">
+              <a:defRPr sz="1800" kern="1200">
+                <a:solidFill>
+                  <a:schemeClr val="tx1"/>
+                </a:solidFill>
+                <a:latin typeface="+mn-lt"/>
+                <a:ea typeface="+mn-ea"/>
+                <a:cs typeface="+mn-cs"/>
+              </a:defRPr>
+            </a:lvl1pPr>
+            <a:lvl2pPr marL="457200" algn="l" defTabSz="914400" rtl="0" eaLnBrk="1" latinLnBrk="0" hangingPunct="1">
+              <a:defRPr sz="1800" kern="1200">
+                <a:solidFill>
+                  <a:schemeClr val="tx1"/>
+                </a:solidFill>
+                <a:latin typeface="+mn-lt"/>
+                <a:ea typeface="+mn-ea"/>
+                <a:cs typeface="+mn-cs"/>
+              </a:defRPr>
+            </a:lvl2pPr>
+            <a:lvl3pPr marL="914400" algn="l" defTabSz="914400" rtl="0" eaLnBrk="1" latinLnBrk="0" hangingPunct="1">
+              <a:defRPr sz="1800" kern="1200">
+                <a:solidFill>
+                  <a:schemeClr val="tx1"/>
+                </a:solidFill>
+                <a:latin typeface="+mn-lt"/>
+                <a:ea typeface="+mn-ea"/>
+                <a:cs typeface="+mn-cs"/>
+              </a:defRPr>
+            </a:lvl3pPr>
+            <a:lvl4pPr marL="1371600" algn="l" defTabSz="914400" rtl="0" eaLnBrk="1" latinLnBrk="0" hangingPunct="1">
+              <a:defRPr sz="1800" kern="1200">
+                <a:solidFill>
+                  <a:schemeClr val="tx1"/>
+                </a:solidFill>
+                <a:latin typeface="+mn-lt"/>
+                <a:ea typeface="+mn-ea"/>
+                <a:cs typeface="+mn-cs"/>
+              </a:defRPr>
+            </a:lvl4pPr>
+            <a:lvl5pPr marL="1828800" algn="l" defTabSz="914400" rtl="0" eaLnBrk="1" latinLnBrk="0" hangingPunct="1">
+              <a:defRPr sz="1800" kern="1200">
+                <a:solidFill>
+                  <a:schemeClr val="tx1"/>
+                </a:solidFill>
+                <a:latin typeface="+mn-lt"/>
+                <a:ea typeface="+mn-ea"/>
+                <a:cs typeface="+mn-cs"/>
+              </a:defRPr>
+            </a:lvl5pPr>
+            <a:lvl6pPr marL="2286000" algn="l" defTabSz="914400" rtl="0" eaLnBrk="1" latinLnBrk="0" hangingPunct="1">
+              <a:defRPr sz="1800" kern="1200">
+                <a:solidFill>
+                  <a:schemeClr val="tx1"/>
+                </a:solidFill>
+                <a:latin typeface="+mn-lt"/>
+                <a:ea typeface="+mn-ea"/>
+                <a:cs typeface="+mn-cs"/>
+              </a:defRPr>
+            </a:lvl6pPr>
+            <a:lvl7pPr marL="2743200" algn="l" defTabSz="914400" rtl="0" eaLnBrk="1" latinLnBrk="0" hangingPunct="1">
+              <a:defRPr sz="1800" kern="1200">
+                <a:solidFill>
+                  <a:schemeClr val="tx1"/>
+                </a:solidFill>
+                <a:latin typeface="+mn-lt"/>
+                <a:ea typeface="+mn-ea"/>
+                <a:cs typeface="+mn-cs"/>
+              </a:defRPr>
+            </a:lvl7pPr>
+            <a:lvl8pPr marL="3200400" algn="l" defTabSz="914400" rtl="0" eaLnBrk="1" latinLnBrk="0" hangingPunct="1">
+              <a:defRPr sz="1800" kern="1200">
+                <a:solidFill>
+                  <a:schemeClr val="tx1"/>
+                </a:solidFill>
+                <a:latin typeface="+mn-lt"/>
+                <a:ea typeface="+mn-ea"/>
+                <a:cs typeface="+mn-cs"/>
+              </a:defRPr>
+            </a:lvl8pPr>
+            <a:lvl9pPr marL="3657600" algn="l" defTabSz="914400" rtl="0" eaLnBrk="1" latinLnBrk="0" hangingPunct="1">
+              <a:defRPr sz="1800" kern="1200">
+                <a:solidFill>
+                  <a:schemeClr val="tx1"/>
+                </a:solidFill>
+                <a:latin typeface="+mn-lt"/>
+                <a:ea typeface="+mn-ea"/>
+                <a:cs typeface="+mn-cs"/>
+              </a:defRPr>
+            </a:lvl9pPr>
+          </a:lstStyle>
+          <a:p>
+            <a:pPr algn="ctr"/>
+            <a:r>
+              <a:rPr lang="ko-KR" altLang="en-US" sz="3200" b="1" dirty="0">
+                <a:solidFill>
+                  <a:schemeClr val="accent2"/>
+                </a:solidFill>
+                <a:cs typeface="Arial" pitchFamily="34" charset="0"/>
+              </a:rPr>
+              <a:t>힌트</a:t>
+            </a:r>
+          </a:p>
+        </p:txBody>
+      </p:sp>
+      <p:sp>
+        <p:nvSpPr>
+          <p:cNvPr id="12" name="TextBox 12">
+            <a:extLst>
+              <a:ext uri="{FF2B5EF4-FFF2-40B4-BE49-F238E27FC236}">
+                <a16:creationId xmlns:a16="http://schemas.microsoft.com/office/drawing/2014/main" id="{46AF6B05-50DB-42A2-B0BB-A2B099CCB1AC}"/>
+              </a:ext>
+            </a:extLst>
+          </p:cNvPr>
+          <p:cNvSpPr txBox="1"/>
+          <p:nvPr/>
+        </p:nvSpPr>
+        <p:spPr>
+          <a:xfrm>
+            <a:off x="1453423" y="5352448"/>
+            <a:ext cx="7627452" cy="707886"/>
+          </a:xfrm>
+          <a:prstGeom prst="rect">
+            <a:avLst/>
+          </a:prstGeom>
+          <a:noFill/>
+        </p:spPr>
+        <p:txBody>
+          <a:bodyPr wrap="square" rtlCol="0">
+            <a:spAutoFit/>
+          </a:bodyPr>
+          <a:lstStyle>
+            <a:defPPr>
+              <a:defRPr lang="en-US"/>
+            </a:defPPr>
+            <a:lvl1pPr marL="0" algn="l" defTabSz="914400" rtl="0" eaLnBrk="1" latinLnBrk="0" hangingPunct="1">
+              <a:defRPr sz="1800" kern="1200">
+                <a:solidFill>
+                  <a:schemeClr val="tx1"/>
+                </a:solidFill>
+                <a:latin typeface="+mn-lt"/>
+                <a:ea typeface="+mn-ea"/>
+                <a:cs typeface="+mn-cs"/>
+              </a:defRPr>
+            </a:lvl1pPr>
+            <a:lvl2pPr marL="457200" algn="l" defTabSz="914400" rtl="0" eaLnBrk="1" latinLnBrk="0" hangingPunct="1">
+              <a:defRPr sz="1800" kern="1200">
+                <a:solidFill>
+                  <a:schemeClr val="tx1"/>
+                </a:solidFill>
+                <a:latin typeface="+mn-lt"/>
+                <a:ea typeface="+mn-ea"/>
+                <a:cs typeface="+mn-cs"/>
+              </a:defRPr>
+            </a:lvl2pPr>
+            <a:lvl3pPr marL="914400" algn="l" defTabSz="914400" rtl="0" eaLnBrk="1" latinLnBrk="0" hangingPunct="1">
+              <a:defRPr sz="1800" kern="1200">
+                <a:solidFill>
+                  <a:schemeClr val="tx1"/>
+                </a:solidFill>
+                <a:latin typeface="+mn-lt"/>
+                <a:ea typeface="+mn-ea"/>
+                <a:cs typeface="+mn-cs"/>
+              </a:defRPr>
+            </a:lvl3pPr>
+            <a:lvl4pPr marL="1371600" algn="l" defTabSz="914400" rtl="0" eaLnBrk="1" latinLnBrk="0" hangingPunct="1">
+              <a:defRPr sz="1800" kern="1200">
+                <a:solidFill>
+                  <a:schemeClr val="tx1"/>
+                </a:solidFill>
+                <a:latin typeface="+mn-lt"/>
+                <a:ea typeface="+mn-ea"/>
+                <a:cs typeface="+mn-cs"/>
+              </a:defRPr>
+            </a:lvl4pPr>
+            <a:lvl5pPr marL="1828800" algn="l" defTabSz="914400" rtl="0" eaLnBrk="1" latinLnBrk="0" hangingPunct="1">
+              <a:defRPr sz="1800" kern="1200">
+                <a:solidFill>
+                  <a:schemeClr val="tx1"/>
+                </a:solidFill>
+                <a:latin typeface="+mn-lt"/>
+                <a:ea typeface="+mn-ea"/>
+                <a:cs typeface="+mn-cs"/>
+              </a:defRPr>
+            </a:lvl5pPr>
+            <a:lvl6pPr marL="2286000" algn="l" defTabSz="914400" rtl="0" eaLnBrk="1" latinLnBrk="0" hangingPunct="1">
+              <a:defRPr sz="1800" kern="1200">
+                <a:solidFill>
+                  <a:schemeClr val="tx1"/>
+                </a:solidFill>
+                <a:latin typeface="+mn-lt"/>
+                <a:ea typeface="+mn-ea"/>
+                <a:cs typeface="+mn-cs"/>
+              </a:defRPr>
+            </a:lvl6pPr>
+            <a:lvl7pPr marL="2743200" algn="l" defTabSz="914400" rtl="0" eaLnBrk="1" latinLnBrk="0" hangingPunct="1">
+              <a:defRPr sz="1800" kern="1200">
+                <a:solidFill>
+                  <a:schemeClr val="tx1"/>
+                </a:solidFill>
+                <a:latin typeface="+mn-lt"/>
+                <a:ea typeface="+mn-ea"/>
+                <a:cs typeface="+mn-cs"/>
+              </a:defRPr>
+            </a:lvl7pPr>
+            <a:lvl8pPr marL="3200400" algn="l" defTabSz="914400" rtl="0" eaLnBrk="1" latinLnBrk="0" hangingPunct="1">
+              <a:defRPr sz="1800" kern="1200">
+                <a:solidFill>
+                  <a:schemeClr val="tx1"/>
+                </a:solidFill>
+                <a:latin typeface="+mn-lt"/>
+                <a:ea typeface="+mn-ea"/>
+                <a:cs typeface="+mn-cs"/>
+              </a:defRPr>
+            </a:lvl8pPr>
+            <a:lvl9pPr marL="3657600" algn="l" defTabSz="914400" rtl="0" eaLnBrk="1" latinLnBrk="0" hangingPunct="1">
+              <a:defRPr sz="1800" kern="1200">
+                <a:solidFill>
+                  <a:schemeClr val="tx1"/>
+                </a:solidFill>
+                <a:latin typeface="+mn-lt"/>
+                <a:ea typeface="+mn-ea"/>
+                <a:cs typeface="+mn-cs"/>
+              </a:defRPr>
+            </a:lvl9pPr>
+          </a:lstStyle>
+          <a:p>
+            <a:r>
+              <a:rPr lang="en-US" altLang="ko-KR" sz="2000" dirty="0">
+                <a:solidFill>
+                  <a:schemeClr val="tx1">
+                    <a:lumMod val="75000"/>
+                    <a:lumOff val="25000"/>
+                  </a:schemeClr>
+                </a:solidFill>
+                <a:cs typeface="Arial" pitchFamily="34" charset="0"/>
+              </a:rPr>
+              <a:t>python if else</a:t>
+            </a:r>
+          </a:p>
+          <a:p>
+            <a:r>
+              <a:rPr lang="en-US" altLang="ko-KR" sz="2000" dirty="0">
+                <a:solidFill>
+                  <a:schemeClr val="tx1">
+                    <a:lumMod val="75000"/>
+                    <a:lumOff val="25000"/>
+                  </a:schemeClr>
+                </a:solidFill>
+                <a:cs typeface="Arial" pitchFamily="34" charset="0"/>
+              </a:rPr>
+              <a:t>python input</a:t>
+            </a:r>
+          </a:p>
+        </p:txBody>
+      </p:sp>
+    </p:spTree>
+    <p:extLst>
+      <p:ext uri="{BB962C8B-B14F-4D97-AF65-F5344CB8AC3E}">
+        <p14:creationId xmlns:p14="http://schemas.microsoft.com/office/powerpoint/2010/main" val="492134487"/>
       </p:ext>
     </p:extLst>
   </p:cSld>
